--- a/QUALI.pptx
+++ b/QUALI.pptx
@@ -1,18 +1,18 @@
 
 <file path=ppt/presentation.xml><?xml version="1.0" encoding="utf-8"?>
-<p:presentation xmlns:a="http://schemas.openxmlformats.org/drawingml/2006/main" xmlns:r="http://schemas.openxmlformats.org/officeDocument/2006/relationships" xmlns:p="http://schemas.openxmlformats.org/presentationml/2006/main" saveSubsetFonts="1">
+<p:presentation xmlns:a="http://schemas.openxmlformats.org/drawingml/2006/main" xmlns:r="http://schemas.openxmlformats.org/officeDocument/2006/relationships" xmlns:p="http://schemas.openxmlformats.org/presentationml/2006/main">
   <p:sldMasterIdLst>
     <p:sldMasterId id="2147483648" r:id="rId1"/>
   </p:sldMasterIdLst>
   <p:sldIdLst>
-    <p:sldId id="256" r:id="rId2"/>
-    <p:sldId id="257" r:id="rId3"/>
-    <p:sldId id="258" r:id="rId4"/>
-    <p:sldId id="259" r:id="rId5"/>
-    <p:sldId id="260" r:id="rId6"/>
-    <p:sldId id="261" r:id="rId7"/>
-    <p:sldId id="262" r:id="rId8"/>
-    <p:sldId id="263" r:id="rId9"/>
+    <p:sldId id="256" r:id="rId3"/>
+    <p:sldId id="257" r:id="rId4"/>
+    <p:sldId id="258" r:id="rId5"/>
+    <p:sldId id="259" r:id="rId6"/>
+    <p:sldId id="260" r:id="rId7"/>
+    <p:sldId id="261" r:id="rId8"/>
+    <p:sldId id="262" r:id="rId9"/>
+    <p:sldId id="263" r:id="rId10"/>
   </p:sldIdLst>
   <p:sldSz cx="9144000" cy="6858000" type="screen4x3"/>
   <p:notesSz cx="6858000" cy="9144000"/>
@@ -138,7 +138,7 @@
             <a:spLocks noGrp="1"/>
           </p:cNvSpPr>
           <p:nvPr>
-            <p:ph type="ctrTitle"/>
+            <p:ph type="ctrTitle" hasCustomPrompt="1"/>
           </p:nvPr>
         </p:nvSpPr>
         <p:spPr>
@@ -166,7 +166,7 @@
             <a:spLocks noGrp="1"/>
           </p:cNvSpPr>
           <p:nvPr>
-            <p:ph type="subTitle" idx="1"/>
+            <p:ph type="subTitle" idx="1" hasCustomPrompt="1"/>
           </p:nvPr>
         </p:nvSpPr>
         <p:spPr>
@@ -295,7 +295,6 @@
           <a:p>
             <a:fld id="{C50FCE8F-F837-4168-86B0-64B1A0653A47}" type="datetimeFigureOut">
               <a:rPr lang="pt-BR" smtClean="0"/>
-              <a:t>03/06/2019</a:t>
             </a:fld>
             <a:endParaRPr lang="pt-BR"/>
           </a:p>
@@ -337,7 +336,6 @@
           <a:p>
             <a:fld id="{BA44ACB9-45E9-40A0-A029-290022684F03}" type="slidenum">
               <a:rPr lang="pt-BR" smtClean="0"/>
-              <a:t>‹nº›</a:t>
             </a:fld>
             <a:endParaRPr lang="pt-BR"/>
           </a:p>
@@ -375,7 +373,7 @@
             <a:spLocks noGrp="1"/>
           </p:cNvSpPr>
           <p:nvPr>
-            <p:ph type="title"/>
+            <p:ph type="title" hasCustomPrompt="1"/>
           </p:nvPr>
         </p:nvSpPr>
         <p:spPr/>
@@ -398,7 +396,7 @@
             <a:spLocks noGrp="1"/>
           </p:cNvSpPr>
           <p:nvPr>
-            <p:ph type="body" orient="vert" idx="1"/>
+            <p:ph type="body" orient="vert" idx="1" hasCustomPrompt="1"/>
           </p:nvPr>
         </p:nvSpPr>
         <p:spPr/>
@@ -411,6 +409,7 @@
               <a:rPr lang="pt-BR" smtClean="0"/>
               <a:t>Clique para editar os estilos do texto mestre</a:t>
             </a:r>
+            <a:endParaRPr lang="pt-BR" smtClean="0"/>
           </a:p>
           <a:p>
             <a:pPr lvl="1"/>
@@ -418,6 +417,7 @@
               <a:rPr lang="pt-BR" smtClean="0"/>
               <a:t>Segundo nível</a:t>
             </a:r>
+            <a:endParaRPr lang="pt-BR" smtClean="0"/>
           </a:p>
           <a:p>
             <a:pPr lvl="2"/>
@@ -425,6 +425,7 @@
               <a:rPr lang="pt-BR" smtClean="0"/>
               <a:t>Terceiro nível</a:t>
             </a:r>
+            <a:endParaRPr lang="pt-BR" smtClean="0"/>
           </a:p>
           <a:p>
             <a:pPr lvl="3"/>
@@ -432,6 +433,7 @@
               <a:rPr lang="pt-BR" smtClean="0"/>
               <a:t>Quarto nível</a:t>
             </a:r>
+            <a:endParaRPr lang="pt-BR" smtClean="0"/>
           </a:p>
           <a:p>
             <a:pPr lvl="4"/>
@@ -460,7 +462,6 @@
           <a:p>
             <a:fld id="{C50FCE8F-F837-4168-86B0-64B1A0653A47}" type="datetimeFigureOut">
               <a:rPr lang="pt-BR" smtClean="0"/>
-              <a:t>03/06/2019</a:t>
             </a:fld>
             <a:endParaRPr lang="pt-BR"/>
           </a:p>
@@ -502,7 +503,6 @@
           <a:p>
             <a:fld id="{BA44ACB9-45E9-40A0-A029-290022684F03}" type="slidenum">
               <a:rPr lang="pt-BR" smtClean="0"/>
-              <a:t>‹nº›</a:t>
             </a:fld>
             <a:endParaRPr lang="pt-BR"/>
           </a:p>
@@ -540,7 +540,7 @@
             <a:spLocks noGrp="1"/>
           </p:cNvSpPr>
           <p:nvPr>
-            <p:ph type="title" orient="vert"/>
+            <p:ph type="title" orient="vert" hasCustomPrompt="1"/>
           </p:nvPr>
         </p:nvSpPr>
         <p:spPr>
@@ -568,7 +568,7 @@
             <a:spLocks noGrp="1"/>
           </p:cNvSpPr>
           <p:nvPr>
-            <p:ph type="body" orient="vert" idx="1"/>
+            <p:ph type="body" orient="vert" idx="1" hasCustomPrompt="1"/>
           </p:nvPr>
         </p:nvSpPr>
         <p:spPr>
@@ -586,6 +586,7 @@
               <a:rPr lang="pt-BR" smtClean="0"/>
               <a:t>Clique para editar os estilos do texto mestre</a:t>
             </a:r>
+            <a:endParaRPr lang="pt-BR" smtClean="0"/>
           </a:p>
           <a:p>
             <a:pPr lvl="1"/>
@@ -593,6 +594,7 @@
               <a:rPr lang="pt-BR" smtClean="0"/>
               <a:t>Segundo nível</a:t>
             </a:r>
+            <a:endParaRPr lang="pt-BR" smtClean="0"/>
           </a:p>
           <a:p>
             <a:pPr lvl="2"/>
@@ -600,6 +602,7 @@
               <a:rPr lang="pt-BR" smtClean="0"/>
               <a:t>Terceiro nível</a:t>
             </a:r>
+            <a:endParaRPr lang="pt-BR" smtClean="0"/>
           </a:p>
           <a:p>
             <a:pPr lvl="3"/>
@@ -607,6 +610,7 @@
               <a:rPr lang="pt-BR" smtClean="0"/>
               <a:t>Quarto nível</a:t>
             </a:r>
+            <a:endParaRPr lang="pt-BR" smtClean="0"/>
           </a:p>
           <a:p>
             <a:pPr lvl="4"/>
@@ -635,7 +639,6 @@
           <a:p>
             <a:fld id="{C50FCE8F-F837-4168-86B0-64B1A0653A47}" type="datetimeFigureOut">
               <a:rPr lang="pt-BR" smtClean="0"/>
-              <a:t>03/06/2019</a:t>
             </a:fld>
             <a:endParaRPr lang="pt-BR"/>
           </a:p>
@@ -677,7 +680,6 @@
           <a:p>
             <a:fld id="{BA44ACB9-45E9-40A0-A029-290022684F03}" type="slidenum">
               <a:rPr lang="pt-BR" smtClean="0"/>
-              <a:t>‹nº›</a:t>
             </a:fld>
             <a:endParaRPr lang="pt-BR"/>
           </a:p>
@@ -715,7 +717,7 @@
             <a:spLocks noGrp="1"/>
           </p:cNvSpPr>
           <p:nvPr>
-            <p:ph type="title"/>
+            <p:ph type="title" hasCustomPrompt="1"/>
           </p:nvPr>
         </p:nvSpPr>
         <p:spPr/>
@@ -738,7 +740,7 @@
             <a:spLocks noGrp="1"/>
           </p:cNvSpPr>
           <p:nvPr>
-            <p:ph idx="1"/>
+            <p:ph idx="1" hasCustomPrompt="1"/>
           </p:nvPr>
         </p:nvSpPr>
         <p:spPr/>
@@ -751,6 +753,7 @@
               <a:rPr lang="pt-BR" smtClean="0"/>
               <a:t>Clique para editar os estilos do texto mestre</a:t>
             </a:r>
+            <a:endParaRPr lang="pt-BR" smtClean="0"/>
           </a:p>
           <a:p>
             <a:pPr lvl="1"/>
@@ -758,6 +761,7 @@
               <a:rPr lang="pt-BR" smtClean="0"/>
               <a:t>Segundo nível</a:t>
             </a:r>
+            <a:endParaRPr lang="pt-BR" smtClean="0"/>
           </a:p>
           <a:p>
             <a:pPr lvl="2"/>
@@ -765,6 +769,7 @@
               <a:rPr lang="pt-BR" smtClean="0"/>
               <a:t>Terceiro nível</a:t>
             </a:r>
+            <a:endParaRPr lang="pt-BR" smtClean="0"/>
           </a:p>
           <a:p>
             <a:pPr lvl="3"/>
@@ -772,6 +777,7 @@
               <a:rPr lang="pt-BR" smtClean="0"/>
               <a:t>Quarto nível</a:t>
             </a:r>
+            <a:endParaRPr lang="pt-BR" smtClean="0"/>
           </a:p>
           <a:p>
             <a:pPr lvl="4"/>
@@ -800,7 +806,6 @@
           <a:p>
             <a:fld id="{C50FCE8F-F837-4168-86B0-64B1A0653A47}" type="datetimeFigureOut">
               <a:rPr lang="pt-BR" smtClean="0"/>
-              <a:t>03/06/2019</a:t>
             </a:fld>
             <a:endParaRPr lang="pt-BR"/>
           </a:p>
@@ -842,7 +847,6 @@
           <a:p>
             <a:fld id="{BA44ACB9-45E9-40A0-A029-290022684F03}" type="slidenum">
               <a:rPr lang="pt-BR" smtClean="0"/>
-              <a:t>‹nº›</a:t>
             </a:fld>
             <a:endParaRPr lang="pt-BR"/>
           </a:p>
@@ -880,7 +884,7 @@
             <a:spLocks noGrp="1"/>
           </p:cNvSpPr>
           <p:nvPr>
-            <p:ph type="title"/>
+            <p:ph type="title" hasCustomPrompt="1"/>
           </p:nvPr>
         </p:nvSpPr>
         <p:spPr>
@@ -912,7 +916,7 @@
             <a:spLocks noGrp="1"/>
           </p:cNvSpPr>
           <p:nvPr>
-            <p:ph type="body" idx="1"/>
+            <p:ph type="body" idx="1" hasCustomPrompt="1"/>
           </p:nvPr>
         </p:nvSpPr>
         <p:spPr>
@@ -1021,6 +1025,7 @@
               <a:rPr lang="pt-BR" smtClean="0"/>
               <a:t>Clique para editar os estilos do texto mestre</a:t>
             </a:r>
+            <a:endParaRPr lang="pt-BR" smtClean="0"/>
           </a:p>
         </p:txBody>
       </p:sp>
@@ -1041,7 +1046,6 @@
           <a:p>
             <a:fld id="{C50FCE8F-F837-4168-86B0-64B1A0653A47}" type="datetimeFigureOut">
               <a:rPr lang="pt-BR" smtClean="0"/>
-              <a:t>03/06/2019</a:t>
             </a:fld>
             <a:endParaRPr lang="pt-BR"/>
           </a:p>
@@ -1083,7 +1087,6 @@
           <a:p>
             <a:fld id="{BA44ACB9-45E9-40A0-A029-290022684F03}" type="slidenum">
               <a:rPr lang="pt-BR" smtClean="0"/>
-              <a:t>‹nº›</a:t>
             </a:fld>
             <a:endParaRPr lang="pt-BR"/>
           </a:p>
@@ -1121,7 +1124,7 @@
             <a:spLocks noGrp="1"/>
           </p:cNvSpPr>
           <p:nvPr>
-            <p:ph type="title"/>
+            <p:ph type="title" hasCustomPrompt="1"/>
           </p:nvPr>
         </p:nvSpPr>
         <p:spPr/>
@@ -1144,7 +1147,7 @@
             <a:spLocks noGrp="1"/>
           </p:cNvSpPr>
           <p:nvPr>
-            <p:ph sz="half" idx="1"/>
+            <p:ph sz="half" idx="1" hasCustomPrompt="1"/>
           </p:nvPr>
         </p:nvSpPr>
         <p:spPr>
@@ -1190,6 +1193,7 @@
               <a:rPr lang="pt-BR" smtClean="0"/>
               <a:t>Clique para editar os estilos do texto mestre</a:t>
             </a:r>
+            <a:endParaRPr lang="pt-BR" smtClean="0"/>
           </a:p>
           <a:p>
             <a:pPr lvl="1"/>
@@ -1197,6 +1201,7 @@
               <a:rPr lang="pt-BR" smtClean="0"/>
               <a:t>Segundo nível</a:t>
             </a:r>
+            <a:endParaRPr lang="pt-BR" smtClean="0"/>
           </a:p>
           <a:p>
             <a:pPr lvl="2"/>
@@ -1204,6 +1209,7 @@
               <a:rPr lang="pt-BR" smtClean="0"/>
               <a:t>Terceiro nível</a:t>
             </a:r>
+            <a:endParaRPr lang="pt-BR" smtClean="0"/>
           </a:p>
           <a:p>
             <a:pPr lvl="3"/>
@@ -1211,6 +1217,7 @@
               <a:rPr lang="pt-BR" smtClean="0"/>
               <a:t>Quarto nível</a:t>
             </a:r>
+            <a:endParaRPr lang="pt-BR" smtClean="0"/>
           </a:p>
           <a:p>
             <a:pPr lvl="4"/>
@@ -1229,7 +1236,7 @@
             <a:spLocks noGrp="1"/>
           </p:cNvSpPr>
           <p:nvPr>
-            <p:ph sz="half" idx="2"/>
+            <p:ph sz="half" idx="2" hasCustomPrompt="1"/>
           </p:nvPr>
         </p:nvSpPr>
         <p:spPr>
@@ -1275,6 +1282,7 @@
               <a:rPr lang="pt-BR" smtClean="0"/>
               <a:t>Clique para editar os estilos do texto mestre</a:t>
             </a:r>
+            <a:endParaRPr lang="pt-BR" smtClean="0"/>
           </a:p>
           <a:p>
             <a:pPr lvl="1"/>
@@ -1282,6 +1290,7 @@
               <a:rPr lang="pt-BR" smtClean="0"/>
               <a:t>Segundo nível</a:t>
             </a:r>
+            <a:endParaRPr lang="pt-BR" smtClean="0"/>
           </a:p>
           <a:p>
             <a:pPr lvl="2"/>
@@ -1289,6 +1298,7 @@
               <a:rPr lang="pt-BR" smtClean="0"/>
               <a:t>Terceiro nível</a:t>
             </a:r>
+            <a:endParaRPr lang="pt-BR" smtClean="0"/>
           </a:p>
           <a:p>
             <a:pPr lvl="3"/>
@@ -1296,6 +1306,7 @@
               <a:rPr lang="pt-BR" smtClean="0"/>
               <a:t>Quarto nível</a:t>
             </a:r>
+            <a:endParaRPr lang="pt-BR" smtClean="0"/>
           </a:p>
           <a:p>
             <a:pPr lvl="4"/>
@@ -1324,7 +1335,6 @@
           <a:p>
             <a:fld id="{C50FCE8F-F837-4168-86B0-64B1A0653A47}" type="datetimeFigureOut">
               <a:rPr lang="pt-BR" smtClean="0"/>
-              <a:t>03/06/2019</a:t>
             </a:fld>
             <a:endParaRPr lang="pt-BR"/>
           </a:p>
@@ -1366,7 +1376,6 @@
           <a:p>
             <a:fld id="{BA44ACB9-45E9-40A0-A029-290022684F03}" type="slidenum">
               <a:rPr lang="pt-BR" smtClean="0"/>
-              <a:t>‹nº›</a:t>
             </a:fld>
             <a:endParaRPr lang="pt-BR"/>
           </a:p>
@@ -1404,7 +1413,7 @@
             <a:spLocks noGrp="1"/>
           </p:cNvSpPr>
           <p:nvPr>
-            <p:ph type="title"/>
+            <p:ph type="title" hasCustomPrompt="1"/>
           </p:nvPr>
         </p:nvSpPr>
         <p:spPr/>
@@ -1431,7 +1440,7 @@
             <a:spLocks noGrp="1"/>
           </p:cNvSpPr>
           <p:nvPr>
-            <p:ph type="body" idx="1"/>
+            <p:ph type="body" idx="1" hasCustomPrompt="1"/>
           </p:nvPr>
         </p:nvSpPr>
         <p:spPr>
@@ -1486,6 +1495,7 @@
               <a:rPr lang="pt-BR" smtClean="0"/>
               <a:t>Clique para editar os estilos do texto mestre</a:t>
             </a:r>
+            <a:endParaRPr lang="pt-BR" smtClean="0"/>
           </a:p>
         </p:txBody>
       </p:sp>
@@ -1496,7 +1506,7 @@
             <a:spLocks noGrp="1"/>
           </p:cNvSpPr>
           <p:nvPr>
-            <p:ph sz="half" idx="2"/>
+            <p:ph sz="half" idx="2" hasCustomPrompt="1"/>
           </p:nvPr>
         </p:nvSpPr>
         <p:spPr>
@@ -1542,6 +1552,7 @@
               <a:rPr lang="pt-BR" smtClean="0"/>
               <a:t>Clique para editar os estilos do texto mestre</a:t>
             </a:r>
+            <a:endParaRPr lang="pt-BR" smtClean="0"/>
           </a:p>
           <a:p>
             <a:pPr lvl="1"/>
@@ -1549,6 +1560,7 @@
               <a:rPr lang="pt-BR" smtClean="0"/>
               <a:t>Segundo nível</a:t>
             </a:r>
+            <a:endParaRPr lang="pt-BR" smtClean="0"/>
           </a:p>
           <a:p>
             <a:pPr lvl="2"/>
@@ -1556,6 +1568,7 @@
               <a:rPr lang="pt-BR" smtClean="0"/>
               <a:t>Terceiro nível</a:t>
             </a:r>
+            <a:endParaRPr lang="pt-BR" smtClean="0"/>
           </a:p>
           <a:p>
             <a:pPr lvl="3"/>
@@ -1563,6 +1576,7 @@
               <a:rPr lang="pt-BR" smtClean="0"/>
               <a:t>Quarto nível</a:t>
             </a:r>
+            <a:endParaRPr lang="pt-BR" smtClean="0"/>
           </a:p>
           <a:p>
             <a:pPr lvl="4"/>
@@ -1581,7 +1595,7 @@
             <a:spLocks noGrp="1"/>
           </p:cNvSpPr>
           <p:nvPr>
-            <p:ph type="body" sz="quarter" idx="3"/>
+            <p:ph type="body" sz="quarter" idx="3" hasCustomPrompt="1"/>
           </p:nvPr>
         </p:nvSpPr>
         <p:spPr>
@@ -1636,6 +1650,7 @@
               <a:rPr lang="pt-BR" smtClean="0"/>
               <a:t>Clique para editar os estilos do texto mestre</a:t>
             </a:r>
+            <a:endParaRPr lang="pt-BR" smtClean="0"/>
           </a:p>
         </p:txBody>
       </p:sp>
@@ -1646,7 +1661,7 @@
             <a:spLocks noGrp="1"/>
           </p:cNvSpPr>
           <p:nvPr>
-            <p:ph sz="quarter" idx="4"/>
+            <p:ph sz="quarter" idx="4" hasCustomPrompt="1"/>
           </p:nvPr>
         </p:nvSpPr>
         <p:spPr>
@@ -1692,6 +1707,7 @@
               <a:rPr lang="pt-BR" smtClean="0"/>
               <a:t>Clique para editar os estilos do texto mestre</a:t>
             </a:r>
+            <a:endParaRPr lang="pt-BR" smtClean="0"/>
           </a:p>
           <a:p>
             <a:pPr lvl="1"/>
@@ -1699,6 +1715,7 @@
               <a:rPr lang="pt-BR" smtClean="0"/>
               <a:t>Segundo nível</a:t>
             </a:r>
+            <a:endParaRPr lang="pt-BR" smtClean="0"/>
           </a:p>
           <a:p>
             <a:pPr lvl="2"/>
@@ -1706,6 +1723,7 @@
               <a:rPr lang="pt-BR" smtClean="0"/>
               <a:t>Terceiro nível</a:t>
             </a:r>
+            <a:endParaRPr lang="pt-BR" smtClean="0"/>
           </a:p>
           <a:p>
             <a:pPr lvl="3"/>
@@ -1713,6 +1731,7 @@
               <a:rPr lang="pt-BR" smtClean="0"/>
               <a:t>Quarto nível</a:t>
             </a:r>
+            <a:endParaRPr lang="pt-BR" smtClean="0"/>
           </a:p>
           <a:p>
             <a:pPr lvl="4"/>
@@ -1741,7 +1760,6 @@
           <a:p>
             <a:fld id="{C50FCE8F-F837-4168-86B0-64B1A0653A47}" type="datetimeFigureOut">
               <a:rPr lang="pt-BR" smtClean="0"/>
-              <a:t>03/06/2019</a:t>
             </a:fld>
             <a:endParaRPr lang="pt-BR"/>
           </a:p>
@@ -1783,7 +1801,6 @@
           <a:p>
             <a:fld id="{BA44ACB9-45E9-40A0-A029-290022684F03}" type="slidenum">
               <a:rPr lang="pt-BR" smtClean="0"/>
-              <a:t>‹nº›</a:t>
             </a:fld>
             <a:endParaRPr lang="pt-BR"/>
           </a:p>
@@ -1821,7 +1838,7 @@
             <a:spLocks noGrp="1"/>
           </p:cNvSpPr>
           <p:nvPr>
-            <p:ph type="title"/>
+            <p:ph type="title" hasCustomPrompt="1"/>
           </p:nvPr>
         </p:nvSpPr>
         <p:spPr/>
@@ -1854,7 +1871,6 @@
           <a:p>
             <a:fld id="{C50FCE8F-F837-4168-86B0-64B1A0653A47}" type="datetimeFigureOut">
               <a:rPr lang="pt-BR" smtClean="0"/>
-              <a:t>03/06/2019</a:t>
             </a:fld>
             <a:endParaRPr lang="pt-BR"/>
           </a:p>
@@ -1896,7 +1912,6 @@
           <a:p>
             <a:fld id="{BA44ACB9-45E9-40A0-A029-290022684F03}" type="slidenum">
               <a:rPr lang="pt-BR" smtClean="0"/>
-              <a:t>‹nº›</a:t>
             </a:fld>
             <a:endParaRPr lang="pt-BR"/>
           </a:p>
@@ -1944,7 +1959,6 @@
           <a:p>
             <a:fld id="{C50FCE8F-F837-4168-86B0-64B1A0653A47}" type="datetimeFigureOut">
               <a:rPr lang="pt-BR" smtClean="0"/>
-              <a:t>03/06/2019</a:t>
             </a:fld>
             <a:endParaRPr lang="pt-BR"/>
           </a:p>
@@ -1986,7 +2000,6 @@
           <a:p>
             <a:fld id="{BA44ACB9-45E9-40A0-A029-290022684F03}" type="slidenum">
               <a:rPr lang="pt-BR" smtClean="0"/>
-              <a:t>‹nº›</a:t>
             </a:fld>
             <a:endParaRPr lang="pt-BR"/>
           </a:p>
@@ -2024,7 +2037,7 @@
             <a:spLocks noGrp="1"/>
           </p:cNvSpPr>
           <p:nvPr>
-            <p:ph type="title"/>
+            <p:ph type="title" hasCustomPrompt="1"/>
           </p:nvPr>
         </p:nvSpPr>
         <p:spPr>
@@ -2056,7 +2069,7 @@
             <a:spLocks noGrp="1"/>
           </p:cNvSpPr>
           <p:nvPr>
-            <p:ph idx="1"/>
+            <p:ph idx="1" hasCustomPrompt="1"/>
           </p:nvPr>
         </p:nvSpPr>
         <p:spPr>
@@ -2102,6 +2115,7 @@
               <a:rPr lang="pt-BR" smtClean="0"/>
               <a:t>Clique para editar os estilos do texto mestre</a:t>
             </a:r>
+            <a:endParaRPr lang="pt-BR" smtClean="0"/>
           </a:p>
           <a:p>
             <a:pPr lvl="1"/>
@@ -2109,6 +2123,7 @@
               <a:rPr lang="pt-BR" smtClean="0"/>
               <a:t>Segundo nível</a:t>
             </a:r>
+            <a:endParaRPr lang="pt-BR" smtClean="0"/>
           </a:p>
           <a:p>
             <a:pPr lvl="2"/>
@@ -2116,6 +2131,7 @@
               <a:rPr lang="pt-BR" smtClean="0"/>
               <a:t>Terceiro nível</a:t>
             </a:r>
+            <a:endParaRPr lang="pt-BR" smtClean="0"/>
           </a:p>
           <a:p>
             <a:pPr lvl="3"/>
@@ -2123,6 +2139,7 @@
               <a:rPr lang="pt-BR" smtClean="0"/>
               <a:t>Quarto nível</a:t>
             </a:r>
+            <a:endParaRPr lang="pt-BR" smtClean="0"/>
           </a:p>
           <a:p>
             <a:pPr lvl="4"/>
@@ -2141,7 +2158,7 @@
             <a:spLocks noGrp="1"/>
           </p:cNvSpPr>
           <p:nvPr>
-            <p:ph type="body" sz="half" idx="2"/>
+            <p:ph type="body" sz="half" idx="2" hasCustomPrompt="1"/>
           </p:nvPr>
         </p:nvSpPr>
         <p:spPr>
@@ -2196,6 +2213,7 @@
               <a:rPr lang="pt-BR" smtClean="0"/>
               <a:t>Clique para editar os estilos do texto mestre</a:t>
             </a:r>
+            <a:endParaRPr lang="pt-BR" smtClean="0"/>
           </a:p>
         </p:txBody>
       </p:sp>
@@ -2216,7 +2234,6 @@
           <a:p>
             <a:fld id="{C50FCE8F-F837-4168-86B0-64B1A0653A47}" type="datetimeFigureOut">
               <a:rPr lang="pt-BR" smtClean="0"/>
-              <a:t>03/06/2019</a:t>
             </a:fld>
             <a:endParaRPr lang="pt-BR"/>
           </a:p>
@@ -2258,7 +2275,6 @@
           <a:p>
             <a:fld id="{BA44ACB9-45E9-40A0-A029-290022684F03}" type="slidenum">
               <a:rPr lang="pt-BR" smtClean="0"/>
-              <a:t>‹nº›</a:t>
             </a:fld>
             <a:endParaRPr lang="pt-BR"/>
           </a:p>
@@ -2296,7 +2312,7 @@
             <a:spLocks noGrp="1"/>
           </p:cNvSpPr>
           <p:nvPr>
-            <p:ph type="title"/>
+            <p:ph type="title" hasCustomPrompt="1"/>
           </p:nvPr>
         </p:nvSpPr>
         <p:spPr>
@@ -2389,7 +2405,7 @@
             <a:spLocks noGrp="1"/>
           </p:cNvSpPr>
           <p:nvPr>
-            <p:ph type="body" sz="half" idx="2"/>
+            <p:ph type="body" sz="half" idx="2" hasCustomPrompt="1"/>
           </p:nvPr>
         </p:nvSpPr>
         <p:spPr>
@@ -2444,6 +2460,7 @@
               <a:rPr lang="pt-BR" smtClean="0"/>
               <a:t>Clique para editar os estilos do texto mestre</a:t>
             </a:r>
+            <a:endParaRPr lang="pt-BR" smtClean="0"/>
           </a:p>
         </p:txBody>
       </p:sp>
@@ -2464,7 +2481,6 @@
           <a:p>
             <a:fld id="{C50FCE8F-F837-4168-86B0-64B1A0653A47}" type="datetimeFigureOut">
               <a:rPr lang="pt-BR" smtClean="0"/>
-              <a:t>03/06/2019</a:t>
             </a:fld>
             <a:endParaRPr lang="pt-BR"/>
           </a:p>
@@ -2506,7 +2522,6 @@
           <a:p>
             <a:fld id="{BA44ACB9-45E9-40A0-A029-290022684F03}" type="slidenum">
               <a:rPr lang="pt-BR" smtClean="0"/>
-              <a:t>‹nº›</a:t>
             </a:fld>
             <a:endParaRPr lang="pt-BR"/>
           </a:p>
@@ -2526,7 +2541,7 @@
     <p:bg>
       <p:bgPr>
         <a:blipFill dpi="0" rotWithShape="1">
-          <a:blip r:embed="rId13" cstate="print">
+          <a:blip r:embed="rId12" cstate="print">
             <a:lum/>
           </a:blip>
           <a:srcRect/>
@@ -2614,6 +2629,7 @@
               <a:rPr lang="pt-BR" smtClean="0"/>
               <a:t>Clique para editar os estilos do texto mestre</a:t>
             </a:r>
+            <a:endParaRPr lang="pt-BR" smtClean="0"/>
           </a:p>
           <a:p>
             <a:pPr lvl="1"/>
@@ -2621,6 +2637,7 @@
               <a:rPr lang="pt-BR" smtClean="0"/>
               <a:t>Segundo nível</a:t>
             </a:r>
+            <a:endParaRPr lang="pt-BR" smtClean="0"/>
           </a:p>
           <a:p>
             <a:pPr lvl="2"/>
@@ -2628,6 +2645,7 @@
               <a:rPr lang="pt-BR" smtClean="0"/>
               <a:t>Terceiro nível</a:t>
             </a:r>
+            <a:endParaRPr lang="pt-BR" smtClean="0"/>
           </a:p>
           <a:p>
             <a:pPr lvl="3"/>
@@ -2635,6 +2653,7 @@
               <a:rPr lang="pt-BR" smtClean="0"/>
               <a:t>Quarto nível</a:t>
             </a:r>
+            <a:endParaRPr lang="pt-BR" smtClean="0"/>
           </a:p>
           <a:p>
             <a:pPr lvl="4"/>
@@ -2681,7 +2700,6 @@
           <a:p>
             <a:fld id="{C50FCE8F-F837-4168-86B0-64B1A0653A47}" type="datetimeFigureOut">
               <a:rPr lang="pt-BR" smtClean="0"/>
-              <a:t>03/06/2019</a:t>
             </a:fld>
             <a:endParaRPr lang="pt-BR"/>
           </a:p>
@@ -2759,7 +2777,6 @@
           <a:p>
             <a:fld id="{BA44ACB9-45E9-40A0-A029-290022684F03}" type="slidenum">
               <a:rPr lang="pt-BR" smtClean="0"/>
-              <a:t>‹nº›</a:t>
             </a:fld>
             <a:endParaRPr lang="pt-BR"/>
           </a:p>
@@ -2803,7 +2820,7 @@
         <a:spcBef>
           <a:spcPct val="20000"/>
         </a:spcBef>
-        <a:buFont typeface="Arial" pitchFamily="34" charset="0"/>
+        <a:buFont typeface="Arial" panose="020B0604020202020204" pitchFamily="34" charset="0"/>
         <a:buChar char="•"/>
         <a:defRPr sz="3200" kern="1200">
           <a:solidFill>
@@ -2818,7 +2835,7 @@
         <a:spcBef>
           <a:spcPct val="20000"/>
         </a:spcBef>
-        <a:buFont typeface="Arial" pitchFamily="34" charset="0"/>
+        <a:buFont typeface="Arial" panose="020B0604020202020204" pitchFamily="34" charset="0"/>
         <a:buChar char="–"/>
         <a:defRPr sz="2800" kern="1200">
           <a:solidFill>
@@ -2833,7 +2850,7 @@
         <a:spcBef>
           <a:spcPct val="20000"/>
         </a:spcBef>
-        <a:buFont typeface="Arial" pitchFamily="34" charset="0"/>
+        <a:buFont typeface="Arial" panose="020B0604020202020204" pitchFamily="34" charset="0"/>
         <a:buChar char="•"/>
         <a:defRPr sz="2400" kern="1200">
           <a:solidFill>
@@ -2848,7 +2865,7 @@
         <a:spcBef>
           <a:spcPct val="20000"/>
         </a:spcBef>
-        <a:buFont typeface="Arial" pitchFamily="34" charset="0"/>
+        <a:buFont typeface="Arial" panose="020B0604020202020204" pitchFamily="34" charset="0"/>
         <a:buChar char="–"/>
         <a:defRPr sz="2000" kern="1200">
           <a:solidFill>
@@ -2863,7 +2880,7 @@
         <a:spcBef>
           <a:spcPct val="20000"/>
         </a:spcBef>
-        <a:buFont typeface="Arial" pitchFamily="34" charset="0"/>
+        <a:buFont typeface="Arial" panose="020B0604020202020204" pitchFamily="34" charset="0"/>
         <a:buChar char="»"/>
         <a:defRPr sz="2000" kern="1200">
           <a:solidFill>
@@ -2878,7 +2895,7 @@
         <a:spcBef>
           <a:spcPct val="20000"/>
         </a:spcBef>
-        <a:buFont typeface="Arial" pitchFamily="34" charset="0"/>
+        <a:buFont typeface="Arial" panose="020B0604020202020204" pitchFamily="34" charset="0"/>
         <a:buChar char="•"/>
         <a:defRPr sz="2000" kern="1200">
           <a:solidFill>
@@ -2893,7 +2910,7 @@
         <a:spcBef>
           <a:spcPct val="20000"/>
         </a:spcBef>
-        <a:buFont typeface="Arial" pitchFamily="34" charset="0"/>
+        <a:buFont typeface="Arial" panose="020B0604020202020204" pitchFamily="34" charset="0"/>
         <a:buChar char="•"/>
         <a:defRPr sz="2000" kern="1200">
           <a:solidFill>
@@ -2908,7 +2925,7 @@
         <a:spcBef>
           <a:spcPct val="20000"/>
         </a:spcBef>
-        <a:buFont typeface="Arial" pitchFamily="34" charset="0"/>
+        <a:buFont typeface="Arial" panose="020B0604020202020204" pitchFamily="34" charset="0"/>
         <a:buChar char="•"/>
         <a:defRPr sz="2000" kern="1200">
           <a:solidFill>
@@ -2923,7 +2940,7 @@
         <a:spcBef>
           <a:spcPct val="20000"/>
         </a:spcBef>
-        <a:buFont typeface="Arial" pitchFamily="34" charset="0"/>
+        <a:buFont typeface="Arial" panose="020B0604020202020204" pitchFamily="34" charset="0"/>
         <a:buChar char="•"/>
         <a:defRPr sz="2000" kern="1200">
           <a:solidFill>
@@ -3073,10 +3090,6 @@
           </a:bodyPr>
           <a:lstStyle/>
           <a:p>
-            <a:r>
-              <a:rPr lang="pt-BR" sz="2000" b="1" dirty="0"/>
-              <a:t/>
-            </a:r>
             <a:br>
               <a:rPr lang="pt-BR" sz="2000" b="1" dirty="0"/>
             </a:br>
@@ -3098,10 +3111,6 @@
             <a:r>
               <a:rPr lang="pt-BR" sz="2200" b="1" dirty="0" smtClean="0"/>
               <a:t> FATEC OURINHOS </a:t>
-            </a:r>
-            <a:r>
-              <a:rPr lang="pt-BR" b="1" dirty="0"/>
-              <a:t/>
             </a:r>
             <a:br>
               <a:rPr lang="pt-BR" b="1" dirty="0"/>
@@ -3140,6 +3149,11 @@
               </a:rPr>
               <a:t>SISTEMA DE GERENCIAMENTO DE ATIVIDADES LIGADAS À PESQUISA</a:t>
             </a:r>
+            <a:endParaRPr lang="pt-BR" sz="5500" b="1" dirty="0" smtClean="0">
+              <a:solidFill>
+                <a:schemeClr val="tx1"/>
+              </a:solidFill>
+            </a:endParaRPr>
           </a:p>
           <a:p>
             <a:endParaRPr lang="pt-BR" sz="5500" b="1" dirty="0" smtClean="0">
@@ -3257,6 +3271,11 @@
               </a:rPr>
               <a:t>Perez Júnior</a:t>
             </a:r>
+            <a:endParaRPr lang="pt-BR" sz="3800" dirty="0">
+              <a:solidFill>
+                <a:schemeClr val="tx1"/>
+              </a:solidFill>
+            </a:endParaRPr>
           </a:p>
           <a:p>
             <a:r>
@@ -3392,6 +3411,7 @@
               <a:rPr lang="pt-BR" sz="2800" dirty="0"/>
               <a:t>, entre outras funcionalidades.</a:t>
             </a:r>
+            <a:endParaRPr lang="pt-BR" sz="2800" dirty="0"/>
           </a:p>
           <a:p>
             <a:endParaRPr lang="pt-BR" dirty="0"/>
@@ -3476,7 +3496,7 @@
         </p:spPr>
         <p:txBody>
           <a:bodyPr>
-            <a:normAutofit fontScale="85000" lnSpcReduction="20000"/>
+            <a:normAutofit/>
           </a:bodyPr>
           <a:lstStyle/>
           <a:p>
@@ -3493,6 +3513,7 @@
               <a:rPr lang="pt-BR" dirty="0" smtClean="0"/>
               <a:t>pesquisas;</a:t>
             </a:r>
+            <a:endParaRPr lang="pt-BR" dirty="0" smtClean="0"/>
           </a:p>
           <a:p>
             <a:pPr algn="just"/>
@@ -3500,38 +3521,6 @@
           </a:p>
           <a:p>
             <a:pPr algn="just"/>
-            <a:r>
-              <a:rPr lang="pt-BR" dirty="0"/>
-              <a:t>Assim percebeu-se a necessidade de criar um sistema </a:t>
-            </a:r>
-            <a:r>
-              <a:rPr lang="pt-BR" dirty="0" smtClean="0"/>
-              <a:t>web colaborativo </a:t>
-            </a:r>
-            <a:r>
-              <a:rPr lang="pt-BR" dirty="0" smtClean="0"/>
-              <a:t>para gerenciar as informações de quaisquer grupos de </a:t>
-            </a:r>
-            <a:r>
-              <a:rPr lang="pt-BR" dirty="0" err="1" smtClean="0"/>
-              <a:t>pesquis</a:t>
-            </a:r>
-            <a:r>
-              <a:rPr lang="pt-BR" dirty="0" smtClean="0"/>
-              <a:t>,</a:t>
-            </a:r>
-            <a:r>
-              <a:rPr lang="pt-BR" dirty="0" smtClean="0"/>
-              <a:t> permitir que todas as informações, trabalhos e projetos, </a:t>
-            </a:r>
-            <a:r>
-              <a:rPr lang="pt-BR" dirty="0"/>
-              <a:t>possam estar visíveis aos membros e para a construção coletiva do conhecimento</a:t>
-            </a:r>
-            <a:r>
-              <a:rPr lang="pt-BR" dirty="0" smtClean="0"/>
-              <a:t>.</a:t>
-            </a:r>
             <a:endParaRPr lang="pt-BR" dirty="0"/>
           </a:p>
         </p:txBody>
@@ -3622,6 +3611,7 @@
               <a:rPr lang="pt-BR" sz="2800" dirty="0" smtClean="0"/>
               <a:t>Entrevistas com o grupo EDACI;</a:t>
             </a:r>
+            <a:endParaRPr lang="pt-BR" sz="2800" dirty="0" smtClean="0"/>
           </a:p>
           <a:p>
             <a:endParaRPr lang="pt-BR" sz="2800" dirty="0" smtClean="0"/>
@@ -3635,6 +3625,7 @@
               <a:rPr lang="pt-BR" sz="2800" dirty="0" smtClean="0"/>
               <a:t> Software – Modelagem de Diagramas;</a:t>
             </a:r>
+            <a:endParaRPr lang="pt-BR" sz="2800" dirty="0" smtClean="0"/>
           </a:p>
           <a:p>
             <a:endParaRPr lang="pt-BR" sz="2800" dirty="0" smtClean="0"/>
@@ -3648,6 +3639,7 @@
               <a:rPr lang="pt-BR" sz="2800" dirty="0" smtClean="0"/>
               <a:t> – Banco de Dados;</a:t>
             </a:r>
+            <a:endParaRPr lang="pt-BR" sz="2800" dirty="0" smtClean="0"/>
           </a:p>
           <a:p>
             <a:endParaRPr lang="pt-BR" sz="2800" dirty="0" smtClean="0"/>
@@ -3673,6 +3665,7 @@
               <a:rPr lang="pt-BR" sz="2800" dirty="0" smtClean="0"/>
               <a:t>;</a:t>
             </a:r>
+            <a:endParaRPr lang="pt-BR" sz="2800" dirty="0" smtClean="0"/>
           </a:p>
           <a:p>
             <a:endParaRPr lang="pt-BR" sz="2800" dirty="0" smtClean="0"/>
@@ -3797,6 +3790,7 @@
               <a:rPr lang="pt-BR" sz="3000" dirty="0" smtClean="0"/>
               <a:t>.</a:t>
             </a:r>
+            <a:endParaRPr lang="pt-BR" sz="3000" dirty="0" smtClean="0"/>
           </a:p>
           <a:p>
             <a:pPr algn="just">
@@ -3822,6 +3816,7 @@
               <a:rPr lang="pt-BR" sz="3000" dirty="0"/>
               <a:t> para gerenciar atividades ligadas à pesquisa, dividiu-se esta parte em duas (criação e capacitação) para auxiliar o entendimento.</a:t>
             </a:r>
+            <a:endParaRPr lang="pt-BR" sz="3000" dirty="0"/>
           </a:p>
           <a:p>
             <a:endParaRPr lang="pt-BR" dirty="0"/>
@@ -3899,7 +3894,7 @@
           </p:nvPr>
         </p:nvPicPr>
         <p:blipFill>
-          <a:blip r:embed="rId2" cstate="print"/>
+          <a:blip r:embed="rId1" cstate="print"/>
           <a:srcRect/>
           <a:stretch>
             <a:fillRect/>
@@ -4383,7 +4378,10 @@
       </a:bgFillStyleLst>
     </a:fmtScheme>
   </a:themeElements>
-  <a:objectDefaults/>
-  <a:extraClrSchemeLst/>
+  <a:extLst>
+    <a:ext uri="{05A4C25C-085E-4340-85A3-A5531E510DB2}">
+      <thm15:themeFamily xmlns:thm15="http://schemas.microsoft.com/office/thememl/2012/main" name="Office Theme" id="{62F939B6-93AF-4DB8-9C6B-D6C7DFDC589F}" vid="{4A3C46E8-61CC-4603-A589-7422A47A8E4A}"/>
+    </a:ext>
+  </a:extLst>
 </a:theme>
 </file>
--- a/QUALI.pptx
+++ b/QUALI.pptx
@@ -5,14 +5,14 @@
     <p:sldMasterId id="2147483648" r:id="rId1"/>
   </p:sldMasterIdLst>
   <p:sldIdLst>
-    <p:sldId id="256" r:id="rId3"/>
-    <p:sldId id="257" r:id="rId4"/>
-    <p:sldId id="258" r:id="rId5"/>
-    <p:sldId id="259" r:id="rId6"/>
-    <p:sldId id="260" r:id="rId7"/>
-    <p:sldId id="261" r:id="rId8"/>
-    <p:sldId id="262" r:id="rId9"/>
-    <p:sldId id="263" r:id="rId10"/>
+    <p:sldId id="256" r:id="rId2"/>
+    <p:sldId id="257" r:id="rId3"/>
+    <p:sldId id="258" r:id="rId4"/>
+    <p:sldId id="259" r:id="rId5"/>
+    <p:sldId id="260" r:id="rId6"/>
+    <p:sldId id="261" r:id="rId7"/>
+    <p:sldId id="262" r:id="rId8"/>
+    <p:sldId id="263" r:id="rId9"/>
   </p:sldIdLst>
   <p:sldSz cx="9144000" cy="6858000" type="screen4x3"/>
   <p:notesSz cx="6858000" cy="9144000"/>
@@ -295,6 +295,8 @@
           <a:p>
             <a:fld id="{C50FCE8F-F837-4168-86B0-64B1A0653A47}" type="datetimeFigureOut">
               <a:rPr lang="pt-BR" smtClean="0"/>
+              <a:pPr/>
+              <a:t>24/06/2019</a:t>
             </a:fld>
             <a:endParaRPr lang="pt-BR"/>
           </a:p>
@@ -336,6 +338,8 @@
           <a:p>
             <a:fld id="{BA44ACB9-45E9-40A0-A029-290022684F03}" type="slidenum">
               <a:rPr lang="pt-BR" smtClean="0"/>
+              <a:pPr/>
+              <a:t>‹nº›</a:t>
             </a:fld>
             <a:endParaRPr lang="pt-BR"/>
           </a:p>
@@ -409,7 +413,6 @@
               <a:rPr lang="pt-BR" smtClean="0"/>
               <a:t>Clique para editar os estilos do texto mestre</a:t>
             </a:r>
-            <a:endParaRPr lang="pt-BR" smtClean="0"/>
           </a:p>
           <a:p>
             <a:pPr lvl="1"/>
@@ -417,7 +420,6 @@
               <a:rPr lang="pt-BR" smtClean="0"/>
               <a:t>Segundo nível</a:t>
             </a:r>
-            <a:endParaRPr lang="pt-BR" smtClean="0"/>
           </a:p>
           <a:p>
             <a:pPr lvl="2"/>
@@ -425,7 +427,6 @@
               <a:rPr lang="pt-BR" smtClean="0"/>
               <a:t>Terceiro nível</a:t>
             </a:r>
-            <a:endParaRPr lang="pt-BR" smtClean="0"/>
           </a:p>
           <a:p>
             <a:pPr lvl="3"/>
@@ -433,7 +434,6 @@
               <a:rPr lang="pt-BR" smtClean="0"/>
               <a:t>Quarto nível</a:t>
             </a:r>
-            <a:endParaRPr lang="pt-BR" smtClean="0"/>
           </a:p>
           <a:p>
             <a:pPr lvl="4"/>
@@ -462,6 +462,8 @@
           <a:p>
             <a:fld id="{C50FCE8F-F837-4168-86B0-64B1A0653A47}" type="datetimeFigureOut">
               <a:rPr lang="pt-BR" smtClean="0"/>
+              <a:pPr/>
+              <a:t>24/06/2019</a:t>
             </a:fld>
             <a:endParaRPr lang="pt-BR"/>
           </a:p>
@@ -503,6 +505,8 @@
           <a:p>
             <a:fld id="{BA44ACB9-45E9-40A0-A029-290022684F03}" type="slidenum">
               <a:rPr lang="pt-BR" smtClean="0"/>
+              <a:pPr/>
+              <a:t>‹nº›</a:t>
             </a:fld>
             <a:endParaRPr lang="pt-BR"/>
           </a:p>
@@ -586,7 +590,6 @@
               <a:rPr lang="pt-BR" smtClean="0"/>
               <a:t>Clique para editar os estilos do texto mestre</a:t>
             </a:r>
-            <a:endParaRPr lang="pt-BR" smtClean="0"/>
           </a:p>
           <a:p>
             <a:pPr lvl="1"/>
@@ -594,7 +597,6 @@
               <a:rPr lang="pt-BR" smtClean="0"/>
               <a:t>Segundo nível</a:t>
             </a:r>
-            <a:endParaRPr lang="pt-BR" smtClean="0"/>
           </a:p>
           <a:p>
             <a:pPr lvl="2"/>
@@ -602,7 +604,6 @@
               <a:rPr lang="pt-BR" smtClean="0"/>
               <a:t>Terceiro nível</a:t>
             </a:r>
-            <a:endParaRPr lang="pt-BR" smtClean="0"/>
           </a:p>
           <a:p>
             <a:pPr lvl="3"/>
@@ -610,7 +611,6 @@
               <a:rPr lang="pt-BR" smtClean="0"/>
               <a:t>Quarto nível</a:t>
             </a:r>
-            <a:endParaRPr lang="pt-BR" smtClean="0"/>
           </a:p>
           <a:p>
             <a:pPr lvl="4"/>
@@ -639,6 +639,8 @@
           <a:p>
             <a:fld id="{C50FCE8F-F837-4168-86B0-64B1A0653A47}" type="datetimeFigureOut">
               <a:rPr lang="pt-BR" smtClean="0"/>
+              <a:pPr/>
+              <a:t>24/06/2019</a:t>
             </a:fld>
             <a:endParaRPr lang="pt-BR"/>
           </a:p>
@@ -680,6 +682,8 @@
           <a:p>
             <a:fld id="{BA44ACB9-45E9-40A0-A029-290022684F03}" type="slidenum">
               <a:rPr lang="pt-BR" smtClean="0"/>
+              <a:pPr/>
+              <a:t>‹nº›</a:t>
             </a:fld>
             <a:endParaRPr lang="pt-BR"/>
           </a:p>
@@ -753,7 +757,6 @@
               <a:rPr lang="pt-BR" smtClean="0"/>
               <a:t>Clique para editar os estilos do texto mestre</a:t>
             </a:r>
-            <a:endParaRPr lang="pt-BR" smtClean="0"/>
           </a:p>
           <a:p>
             <a:pPr lvl="1"/>
@@ -761,7 +764,6 @@
               <a:rPr lang="pt-BR" smtClean="0"/>
               <a:t>Segundo nível</a:t>
             </a:r>
-            <a:endParaRPr lang="pt-BR" smtClean="0"/>
           </a:p>
           <a:p>
             <a:pPr lvl="2"/>
@@ -769,7 +771,6 @@
               <a:rPr lang="pt-BR" smtClean="0"/>
               <a:t>Terceiro nível</a:t>
             </a:r>
-            <a:endParaRPr lang="pt-BR" smtClean="0"/>
           </a:p>
           <a:p>
             <a:pPr lvl="3"/>
@@ -777,7 +778,6 @@
               <a:rPr lang="pt-BR" smtClean="0"/>
               <a:t>Quarto nível</a:t>
             </a:r>
-            <a:endParaRPr lang="pt-BR" smtClean="0"/>
           </a:p>
           <a:p>
             <a:pPr lvl="4"/>
@@ -806,6 +806,8 @@
           <a:p>
             <a:fld id="{C50FCE8F-F837-4168-86B0-64B1A0653A47}" type="datetimeFigureOut">
               <a:rPr lang="pt-BR" smtClean="0"/>
+              <a:pPr/>
+              <a:t>24/06/2019</a:t>
             </a:fld>
             <a:endParaRPr lang="pt-BR"/>
           </a:p>
@@ -847,6 +849,8 @@
           <a:p>
             <a:fld id="{BA44ACB9-45E9-40A0-A029-290022684F03}" type="slidenum">
               <a:rPr lang="pt-BR" smtClean="0"/>
+              <a:pPr/>
+              <a:t>‹nº›</a:t>
             </a:fld>
             <a:endParaRPr lang="pt-BR"/>
           </a:p>
@@ -1025,7 +1029,6 @@
               <a:rPr lang="pt-BR" smtClean="0"/>
               <a:t>Clique para editar os estilos do texto mestre</a:t>
             </a:r>
-            <a:endParaRPr lang="pt-BR" smtClean="0"/>
           </a:p>
         </p:txBody>
       </p:sp>
@@ -1046,6 +1049,8 @@
           <a:p>
             <a:fld id="{C50FCE8F-F837-4168-86B0-64B1A0653A47}" type="datetimeFigureOut">
               <a:rPr lang="pt-BR" smtClean="0"/>
+              <a:pPr/>
+              <a:t>24/06/2019</a:t>
             </a:fld>
             <a:endParaRPr lang="pt-BR"/>
           </a:p>
@@ -1087,6 +1092,8 @@
           <a:p>
             <a:fld id="{BA44ACB9-45E9-40A0-A029-290022684F03}" type="slidenum">
               <a:rPr lang="pt-BR" smtClean="0"/>
+              <a:pPr/>
+              <a:t>‹nº›</a:t>
             </a:fld>
             <a:endParaRPr lang="pt-BR"/>
           </a:p>
@@ -1193,7 +1200,6 @@
               <a:rPr lang="pt-BR" smtClean="0"/>
               <a:t>Clique para editar os estilos do texto mestre</a:t>
             </a:r>
-            <a:endParaRPr lang="pt-BR" smtClean="0"/>
           </a:p>
           <a:p>
             <a:pPr lvl="1"/>
@@ -1201,7 +1207,6 @@
               <a:rPr lang="pt-BR" smtClean="0"/>
               <a:t>Segundo nível</a:t>
             </a:r>
-            <a:endParaRPr lang="pt-BR" smtClean="0"/>
           </a:p>
           <a:p>
             <a:pPr lvl="2"/>
@@ -1209,7 +1214,6 @@
               <a:rPr lang="pt-BR" smtClean="0"/>
               <a:t>Terceiro nível</a:t>
             </a:r>
-            <a:endParaRPr lang="pt-BR" smtClean="0"/>
           </a:p>
           <a:p>
             <a:pPr lvl="3"/>
@@ -1217,7 +1221,6 @@
               <a:rPr lang="pt-BR" smtClean="0"/>
               <a:t>Quarto nível</a:t>
             </a:r>
-            <a:endParaRPr lang="pt-BR" smtClean="0"/>
           </a:p>
           <a:p>
             <a:pPr lvl="4"/>
@@ -1282,7 +1285,6 @@
               <a:rPr lang="pt-BR" smtClean="0"/>
               <a:t>Clique para editar os estilos do texto mestre</a:t>
             </a:r>
-            <a:endParaRPr lang="pt-BR" smtClean="0"/>
           </a:p>
           <a:p>
             <a:pPr lvl="1"/>
@@ -1290,7 +1292,6 @@
               <a:rPr lang="pt-BR" smtClean="0"/>
               <a:t>Segundo nível</a:t>
             </a:r>
-            <a:endParaRPr lang="pt-BR" smtClean="0"/>
           </a:p>
           <a:p>
             <a:pPr lvl="2"/>
@@ -1298,7 +1299,6 @@
               <a:rPr lang="pt-BR" smtClean="0"/>
               <a:t>Terceiro nível</a:t>
             </a:r>
-            <a:endParaRPr lang="pt-BR" smtClean="0"/>
           </a:p>
           <a:p>
             <a:pPr lvl="3"/>
@@ -1306,7 +1306,6 @@
               <a:rPr lang="pt-BR" smtClean="0"/>
               <a:t>Quarto nível</a:t>
             </a:r>
-            <a:endParaRPr lang="pt-BR" smtClean="0"/>
           </a:p>
           <a:p>
             <a:pPr lvl="4"/>
@@ -1335,6 +1334,8 @@
           <a:p>
             <a:fld id="{C50FCE8F-F837-4168-86B0-64B1A0653A47}" type="datetimeFigureOut">
               <a:rPr lang="pt-BR" smtClean="0"/>
+              <a:pPr/>
+              <a:t>24/06/2019</a:t>
             </a:fld>
             <a:endParaRPr lang="pt-BR"/>
           </a:p>
@@ -1376,6 +1377,8 @@
           <a:p>
             <a:fld id="{BA44ACB9-45E9-40A0-A029-290022684F03}" type="slidenum">
               <a:rPr lang="pt-BR" smtClean="0"/>
+              <a:pPr/>
+              <a:t>‹nº›</a:t>
             </a:fld>
             <a:endParaRPr lang="pt-BR"/>
           </a:p>
@@ -1495,7 +1498,6 @@
               <a:rPr lang="pt-BR" smtClean="0"/>
               <a:t>Clique para editar os estilos do texto mestre</a:t>
             </a:r>
-            <a:endParaRPr lang="pt-BR" smtClean="0"/>
           </a:p>
         </p:txBody>
       </p:sp>
@@ -1552,7 +1554,6 @@
               <a:rPr lang="pt-BR" smtClean="0"/>
               <a:t>Clique para editar os estilos do texto mestre</a:t>
             </a:r>
-            <a:endParaRPr lang="pt-BR" smtClean="0"/>
           </a:p>
           <a:p>
             <a:pPr lvl="1"/>
@@ -1560,7 +1561,6 @@
               <a:rPr lang="pt-BR" smtClean="0"/>
               <a:t>Segundo nível</a:t>
             </a:r>
-            <a:endParaRPr lang="pt-BR" smtClean="0"/>
           </a:p>
           <a:p>
             <a:pPr lvl="2"/>
@@ -1568,7 +1568,6 @@
               <a:rPr lang="pt-BR" smtClean="0"/>
               <a:t>Terceiro nível</a:t>
             </a:r>
-            <a:endParaRPr lang="pt-BR" smtClean="0"/>
           </a:p>
           <a:p>
             <a:pPr lvl="3"/>
@@ -1576,7 +1575,6 @@
               <a:rPr lang="pt-BR" smtClean="0"/>
               <a:t>Quarto nível</a:t>
             </a:r>
-            <a:endParaRPr lang="pt-BR" smtClean="0"/>
           </a:p>
           <a:p>
             <a:pPr lvl="4"/>
@@ -1650,7 +1648,6 @@
               <a:rPr lang="pt-BR" smtClean="0"/>
               <a:t>Clique para editar os estilos do texto mestre</a:t>
             </a:r>
-            <a:endParaRPr lang="pt-BR" smtClean="0"/>
           </a:p>
         </p:txBody>
       </p:sp>
@@ -1707,7 +1704,6 @@
               <a:rPr lang="pt-BR" smtClean="0"/>
               <a:t>Clique para editar os estilos do texto mestre</a:t>
             </a:r>
-            <a:endParaRPr lang="pt-BR" smtClean="0"/>
           </a:p>
           <a:p>
             <a:pPr lvl="1"/>
@@ -1715,7 +1711,6 @@
               <a:rPr lang="pt-BR" smtClean="0"/>
               <a:t>Segundo nível</a:t>
             </a:r>
-            <a:endParaRPr lang="pt-BR" smtClean="0"/>
           </a:p>
           <a:p>
             <a:pPr lvl="2"/>
@@ -1723,7 +1718,6 @@
               <a:rPr lang="pt-BR" smtClean="0"/>
               <a:t>Terceiro nível</a:t>
             </a:r>
-            <a:endParaRPr lang="pt-BR" smtClean="0"/>
           </a:p>
           <a:p>
             <a:pPr lvl="3"/>
@@ -1731,7 +1725,6 @@
               <a:rPr lang="pt-BR" smtClean="0"/>
               <a:t>Quarto nível</a:t>
             </a:r>
-            <a:endParaRPr lang="pt-BR" smtClean="0"/>
           </a:p>
           <a:p>
             <a:pPr lvl="4"/>
@@ -1760,6 +1753,8 @@
           <a:p>
             <a:fld id="{C50FCE8F-F837-4168-86B0-64B1A0653A47}" type="datetimeFigureOut">
               <a:rPr lang="pt-BR" smtClean="0"/>
+              <a:pPr/>
+              <a:t>24/06/2019</a:t>
             </a:fld>
             <a:endParaRPr lang="pt-BR"/>
           </a:p>
@@ -1801,6 +1796,8 @@
           <a:p>
             <a:fld id="{BA44ACB9-45E9-40A0-A029-290022684F03}" type="slidenum">
               <a:rPr lang="pt-BR" smtClean="0"/>
+              <a:pPr/>
+              <a:t>‹nº›</a:t>
             </a:fld>
             <a:endParaRPr lang="pt-BR"/>
           </a:p>
@@ -1871,6 +1868,8 @@
           <a:p>
             <a:fld id="{C50FCE8F-F837-4168-86B0-64B1A0653A47}" type="datetimeFigureOut">
               <a:rPr lang="pt-BR" smtClean="0"/>
+              <a:pPr/>
+              <a:t>24/06/2019</a:t>
             </a:fld>
             <a:endParaRPr lang="pt-BR"/>
           </a:p>
@@ -1912,6 +1911,8 @@
           <a:p>
             <a:fld id="{BA44ACB9-45E9-40A0-A029-290022684F03}" type="slidenum">
               <a:rPr lang="pt-BR" smtClean="0"/>
+              <a:pPr/>
+              <a:t>‹nº›</a:t>
             </a:fld>
             <a:endParaRPr lang="pt-BR"/>
           </a:p>
@@ -1959,6 +1960,8 @@
           <a:p>
             <a:fld id="{C50FCE8F-F837-4168-86B0-64B1A0653A47}" type="datetimeFigureOut">
               <a:rPr lang="pt-BR" smtClean="0"/>
+              <a:pPr/>
+              <a:t>24/06/2019</a:t>
             </a:fld>
             <a:endParaRPr lang="pt-BR"/>
           </a:p>
@@ -2000,6 +2003,8 @@
           <a:p>
             <a:fld id="{BA44ACB9-45E9-40A0-A029-290022684F03}" type="slidenum">
               <a:rPr lang="pt-BR" smtClean="0"/>
+              <a:pPr/>
+              <a:t>‹nº›</a:t>
             </a:fld>
             <a:endParaRPr lang="pt-BR"/>
           </a:p>
@@ -2115,7 +2120,6 @@
               <a:rPr lang="pt-BR" smtClean="0"/>
               <a:t>Clique para editar os estilos do texto mestre</a:t>
             </a:r>
-            <a:endParaRPr lang="pt-BR" smtClean="0"/>
           </a:p>
           <a:p>
             <a:pPr lvl="1"/>
@@ -2123,7 +2127,6 @@
               <a:rPr lang="pt-BR" smtClean="0"/>
               <a:t>Segundo nível</a:t>
             </a:r>
-            <a:endParaRPr lang="pt-BR" smtClean="0"/>
           </a:p>
           <a:p>
             <a:pPr lvl="2"/>
@@ -2131,7 +2134,6 @@
               <a:rPr lang="pt-BR" smtClean="0"/>
               <a:t>Terceiro nível</a:t>
             </a:r>
-            <a:endParaRPr lang="pt-BR" smtClean="0"/>
           </a:p>
           <a:p>
             <a:pPr lvl="3"/>
@@ -2139,7 +2141,6 @@
               <a:rPr lang="pt-BR" smtClean="0"/>
               <a:t>Quarto nível</a:t>
             </a:r>
-            <a:endParaRPr lang="pt-BR" smtClean="0"/>
           </a:p>
           <a:p>
             <a:pPr lvl="4"/>
@@ -2213,7 +2214,6 @@
               <a:rPr lang="pt-BR" smtClean="0"/>
               <a:t>Clique para editar os estilos do texto mestre</a:t>
             </a:r>
-            <a:endParaRPr lang="pt-BR" smtClean="0"/>
           </a:p>
         </p:txBody>
       </p:sp>
@@ -2234,6 +2234,8 @@
           <a:p>
             <a:fld id="{C50FCE8F-F837-4168-86B0-64B1A0653A47}" type="datetimeFigureOut">
               <a:rPr lang="pt-BR" smtClean="0"/>
+              <a:pPr/>
+              <a:t>24/06/2019</a:t>
             </a:fld>
             <a:endParaRPr lang="pt-BR"/>
           </a:p>
@@ -2275,6 +2277,8 @@
           <a:p>
             <a:fld id="{BA44ACB9-45E9-40A0-A029-290022684F03}" type="slidenum">
               <a:rPr lang="pt-BR" smtClean="0"/>
+              <a:pPr/>
+              <a:t>‹nº›</a:t>
             </a:fld>
             <a:endParaRPr lang="pt-BR"/>
           </a:p>
@@ -2460,7 +2464,6 @@
               <a:rPr lang="pt-BR" smtClean="0"/>
               <a:t>Clique para editar os estilos do texto mestre</a:t>
             </a:r>
-            <a:endParaRPr lang="pt-BR" smtClean="0"/>
           </a:p>
         </p:txBody>
       </p:sp>
@@ -2481,6 +2484,8 @@
           <a:p>
             <a:fld id="{C50FCE8F-F837-4168-86B0-64B1A0653A47}" type="datetimeFigureOut">
               <a:rPr lang="pt-BR" smtClean="0"/>
+              <a:pPr/>
+              <a:t>24/06/2019</a:t>
             </a:fld>
             <a:endParaRPr lang="pt-BR"/>
           </a:p>
@@ -2522,6 +2527,8 @@
           <a:p>
             <a:fld id="{BA44ACB9-45E9-40A0-A029-290022684F03}" type="slidenum">
               <a:rPr lang="pt-BR" smtClean="0"/>
+              <a:pPr/>
+              <a:t>‹nº›</a:t>
             </a:fld>
             <a:endParaRPr lang="pt-BR"/>
           </a:p>
@@ -2541,7 +2548,7 @@
     <p:bg>
       <p:bgPr>
         <a:blipFill dpi="0" rotWithShape="1">
-          <a:blip r:embed="rId12" cstate="print">
+          <a:blip r:embed="rId13" cstate="print">
             <a:lum/>
           </a:blip>
           <a:srcRect/>
@@ -2629,7 +2636,6 @@
               <a:rPr lang="pt-BR" smtClean="0"/>
               <a:t>Clique para editar os estilos do texto mestre</a:t>
             </a:r>
-            <a:endParaRPr lang="pt-BR" smtClean="0"/>
           </a:p>
           <a:p>
             <a:pPr lvl="1"/>
@@ -2637,7 +2643,6 @@
               <a:rPr lang="pt-BR" smtClean="0"/>
               <a:t>Segundo nível</a:t>
             </a:r>
-            <a:endParaRPr lang="pt-BR" smtClean="0"/>
           </a:p>
           <a:p>
             <a:pPr lvl="2"/>
@@ -2645,7 +2650,6 @@
               <a:rPr lang="pt-BR" smtClean="0"/>
               <a:t>Terceiro nível</a:t>
             </a:r>
-            <a:endParaRPr lang="pt-BR" smtClean="0"/>
           </a:p>
           <a:p>
             <a:pPr lvl="3"/>
@@ -2653,7 +2657,6 @@
               <a:rPr lang="pt-BR" smtClean="0"/>
               <a:t>Quarto nível</a:t>
             </a:r>
-            <a:endParaRPr lang="pt-BR" smtClean="0"/>
           </a:p>
           <a:p>
             <a:pPr lvl="4"/>
@@ -2700,6 +2703,8 @@
           <a:p>
             <a:fld id="{C50FCE8F-F837-4168-86B0-64B1A0653A47}" type="datetimeFigureOut">
               <a:rPr lang="pt-BR" smtClean="0"/>
+              <a:pPr/>
+              <a:t>24/06/2019</a:t>
             </a:fld>
             <a:endParaRPr lang="pt-BR"/>
           </a:p>
@@ -2777,6 +2782,8 @@
           <a:p>
             <a:fld id="{BA44ACB9-45E9-40A0-A029-290022684F03}" type="slidenum">
               <a:rPr lang="pt-BR" smtClean="0"/>
+              <a:pPr/>
+              <a:t>‹nº›</a:t>
             </a:fld>
             <a:endParaRPr lang="pt-BR"/>
           </a:p>
@@ -3090,6 +3097,10 @@
           </a:bodyPr>
           <a:lstStyle/>
           <a:p>
+            <a:r>
+              <a:rPr lang="pt-BR" sz="2000" b="1" dirty="0"/>
+              <a:t/>
+            </a:r>
             <a:br>
               <a:rPr lang="pt-BR" sz="2000" b="1" dirty="0"/>
             </a:br>
@@ -3111,6 +3122,10 @@
             <a:r>
               <a:rPr lang="pt-BR" sz="2200" b="1" dirty="0" smtClean="0"/>
               <a:t> FATEC OURINHOS </a:t>
+            </a:r>
+            <a:r>
+              <a:rPr lang="pt-BR" b="1" dirty="0"/>
+              <a:t/>
             </a:r>
             <a:br>
               <a:rPr lang="pt-BR" b="1" dirty="0"/>
@@ -3149,11 +3164,6 @@
               </a:rPr>
               <a:t>SISTEMA DE GERENCIAMENTO DE ATIVIDADES LIGADAS À PESQUISA</a:t>
             </a:r>
-            <a:endParaRPr lang="pt-BR" sz="5500" b="1" dirty="0" smtClean="0">
-              <a:solidFill>
-                <a:schemeClr val="tx1"/>
-              </a:solidFill>
-            </a:endParaRPr>
           </a:p>
           <a:p>
             <a:endParaRPr lang="pt-BR" sz="5500" b="1" dirty="0" smtClean="0">
@@ -3271,11 +3281,6 @@
               </a:rPr>
               <a:t>Perez Júnior</a:t>
             </a:r>
-            <a:endParaRPr lang="pt-BR" sz="3800" dirty="0">
-              <a:solidFill>
-                <a:schemeClr val="tx1"/>
-              </a:solidFill>
-            </a:endParaRPr>
           </a:p>
           <a:p>
             <a:r>
@@ -3382,7 +3387,7 @@
         </p:nvSpPr>
         <p:spPr>
           <a:xfrm>
-            <a:off x="467544" y="2852936"/>
+            <a:off x="500034" y="2332037"/>
             <a:ext cx="8229600" cy="4525963"/>
           </a:xfrm>
         </p:spPr>
@@ -3409,8 +3414,26 @@
             </a:r>
             <a:r>
               <a:rPr lang="pt-BR" sz="2800" dirty="0"/>
-              <a:t>, entre outras funcionalidades.</a:t>
-            </a:r>
+              <a:t>, entre outras funcionalidades</a:t>
+            </a:r>
+            <a:r>
+              <a:rPr lang="pt-BR" sz="2800" dirty="0" smtClean="0"/>
+              <a:t>.</a:t>
+            </a:r>
+          </a:p>
+          <a:p>
+            <a:pPr algn="just"/>
+            <a:endParaRPr lang="pt-BR" sz="2800" dirty="0" smtClean="0"/>
+          </a:p>
+          <a:p>
+            <a:pPr algn="just"/>
+            <a:r>
+              <a:rPr lang="pt-BR" sz="2800" dirty="0" smtClean="0"/>
+              <a:t>Grupo de Pesquisa em Educação e Acidentes (EDACI)</a:t>
+            </a:r>
+          </a:p>
+          <a:p>
+            <a:pPr algn="just"/>
             <a:endParaRPr lang="pt-BR" sz="2800" dirty="0"/>
           </a:p>
           <a:p>
@@ -3513,7 +3536,6 @@
               <a:rPr lang="pt-BR" dirty="0" smtClean="0"/>
               <a:t>pesquisas;</a:t>
             </a:r>
-            <a:endParaRPr lang="pt-BR" dirty="0" smtClean="0"/>
           </a:p>
           <a:p>
             <a:pPr algn="just"/>
@@ -3603,7 +3625,7 @@
         </p:spPr>
         <p:txBody>
           <a:bodyPr>
-            <a:normAutofit fontScale="92500" lnSpcReduction="10000"/>
+            <a:normAutofit fontScale="92500" lnSpcReduction="20000"/>
           </a:bodyPr>
           <a:lstStyle/>
           <a:p>
@@ -3611,7 +3633,6 @@
               <a:rPr lang="pt-BR" sz="2800" dirty="0" smtClean="0"/>
               <a:t>Entrevistas com o grupo EDACI;</a:t>
             </a:r>
-            <a:endParaRPr lang="pt-BR" sz="2800" dirty="0" smtClean="0"/>
           </a:p>
           <a:p>
             <a:endParaRPr lang="pt-BR" sz="2800" dirty="0" smtClean="0"/>
@@ -3625,7 +3646,6 @@
               <a:rPr lang="pt-BR" sz="2800" dirty="0" smtClean="0"/>
               <a:t> Software – Modelagem de Diagramas;</a:t>
             </a:r>
-            <a:endParaRPr lang="pt-BR" sz="2800" dirty="0" smtClean="0"/>
           </a:p>
           <a:p>
             <a:endParaRPr lang="pt-BR" sz="2800" dirty="0" smtClean="0"/>
@@ -3639,15 +3659,47 @@
               <a:rPr lang="pt-BR" sz="2800" dirty="0" smtClean="0"/>
               <a:t> – Banco de Dados;</a:t>
             </a:r>
+          </a:p>
+          <a:p>
             <a:endParaRPr lang="pt-BR" sz="2800" dirty="0" smtClean="0"/>
           </a:p>
           <a:p>
+            <a:r>
+              <a:rPr lang="pt-BR" sz="2800" dirty="0" smtClean="0"/>
+              <a:t>Linguagem </a:t>
+            </a:r>
+            <a:r>
+              <a:rPr lang="pt-BR" sz="2800" dirty="0" smtClean="0"/>
+              <a:t>PHP</a:t>
+            </a:r>
+            <a:r>
+              <a:rPr lang="pt-BR" sz="2800" dirty="0" smtClean="0"/>
+              <a:t> </a:t>
+            </a:r>
+            <a:r>
+              <a:rPr lang="pt-BR" sz="2800" dirty="0" smtClean="0"/>
+              <a:t>– </a:t>
+            </a:r>
+            <a:r>
+              <a:rPr lang="pt-BR" sz="2800" dirty="0" smtClean="0"/>
+              <a:t>Desenvolvimento </a:t>
+            </a:r>
+            <a:r>
+              <a:rPr lang="pt-BR" sz="2800" dirty="0" err="1" smtClean="0"/>
+              <a:t>Back-End</a:t>
+            </a:r>
+            <a:r>
+              <a:rPr lang="pt-BR" sz="2800" dirty="0" smtClean="0"/>
+              <a:t>;</a:t>
+            </a:r>
+          </a:p>
+          <a:p>
             <a:endParaRPr lang="pt-BR" sz="2800" dirty="0" smtClean="0"/>
           </a:p>
           <a:p>
             <a:r>
               <a:rPr lang="pt-BR" sz="2800" dirty="0" smtClean="0"/>
-              <a:t>Linguagem PHP, </a:t>
+              <a:t>HTML, CSS, </a:t>
             </a:r>
             <a:r>
               <a:rPr lang="pt-BR" sz="2800" dirty="0" err="1" smtClean="0"/>
@@ -3655,32 +3707,14 @@
             </a:r>
             <a:r>
               <a:rPr lang="pt-BR" sz="2800" dirty="0" smtClean="0"/>
-              <a:t> – Desenvolvimento </a:t>
-            </a:r>
-            <a:r>
-              <a:rPr lang="pt-BR" sz="2800" dirty="0" err="1" smtClean="0"/>
-              <a:t>Back-End</a:t>
-            </a:r>
-            <a:r>
-              <a:rPr lang="pt-BR" sz="2800" dirty="0" smtClean="0"/>
-              <a:t>;</a:t>
-            </a:r>
-            <a:endParaRPr lang="pt-BR" sz="2800" dirty="0" smtClean="0"/>
-          </a:p>
-          <a:p>
-            <a:endParaRPr lang="pt-BR" sz="2800" dirty="0" smtClean="0"/>
-          </a:p>
-          <a:p>
-            <a:r>
-              <a:rPr lang="pt-BR" sz="2800" dirty="0" smtClean="0"/>
-              <a:t>HTML, CSS, </a:t>
+              <a:t>, </a:t>
             </a:r>
             <a:r>
               <a:rPr lang="pt-BR" sz="2800" dirty="0" err="1" smtClean="0"/>
               <a:t>Bootstrap</a:t>
             </a:r>
             <a:r>
-              <a:rPr lang="pt-BR" sz="2800" dirty="0"/>
+              <a:rPr lang="pt-BR" sz="2800" dirty="0" smtClean="0"/>
               <a:t> </a:t>
             </a:r>
             <a:r>
@@ -3790,7 +3824,6 @@
               <a:rPr lang="pt-BR" sz="3000" dirty="0" smtClean="0"/>
               <a:t>.</a:t>
             </a:r>
-            <a:endParaRPr lang="pt-BR" sz="3000" dirty="0" smtClean="0"/>
           </a:p>
           <a:p>
             <a:pPr algn="just">
@@ -3816,7 +3849,6 @@
               <a:rPr lang="pt-BR" sz="3000" dirty="0"/>
               <a:t> para gerenciar atividades ligadas à pesquisa, dividiu-se esta parte em duas (criação e capacitação) para auxiliar o entendimento.</a:t>
             </a:r>
-            <a:endParaRPr lang="pt-BR" sz="3000" dirty="0"/>
           </a:p>
           <a:p>
             <a:endParaRPr lang="pt-BR" dirty="0"/>
@@ -3894,7 +3926,7 @@
           </p:nvPr>
         </p:nvPicPr>
         <p:blipFill>
-          <a:blip r:embed="rId1" cstate="print"/>
+          <a:blip r:embed="rId2" cstate="print"/>
           <a:srcRect/>
           <a:stretch>
             <a:fillRect/>
@@ -3979,7 +4011,7 @@
       </p:sp>
       <p:sp>
         <p:nvSpPr>
-          <p:cNvPr id="3" name="Espaço Reservado para Conteúdo 2"/>
+          <p:cNvPr id="4" name="Espaço Reservado para Conteúdo 2"/>
           <p:cNvSpPr>
             <a:spLocks noGrp="1"/>
           </p:cNvSpPr>
@@ -3987,11 +4019,92 @@
             <p:ph idx="1"/>
           </p:nvPr>
         </p:nvSpPr>
-        <p:spPr/>
-        <p:txBody>
-          <a:bodyPr/>
-          <a:lstStyle/>
-          <a:p>
+        <p:spPr>
+          <a:xfrm>
+            <a:off x="0" y="2071678"/>
+            <a:ext cx="9144000" cy="4125913"/>
+          </a:xfrm>
+        </p:spPr>
+        <p:txBody>
+          <a:bodyPr>
+            <a:normAutofit fontScale="70000" lnSpcReduction="20000"/>
+          </a:bodyPr>
+          <a:lstStyle/>
+          <a:p>
+            <a:pPr>
+              <a:buNone/>
+            </a:pPr>
+            <a:r>
+              <a:rPr lang="pt-BR" sz="3100" dirty="0" smtClean="0"/>
+              <a:t>	CNPQ. </a:t>
+            </a:r>
+            <a:r>
+              <a:rPr lang="pt-BR" sz="3100" b="1" dirty="0" smtClean="0"/>
+              <a:t>Grupos de Pesquisa</a:t>
+            </a:r>
+            <a:r>
+              <a:rPr lang="pt-BR" sz="3100" dirty="0" smtClean="0"/>
+              <a:t>. Disponível em: &lt;http://plsql1.cnpq.br/diretorioc/html/faq.html#g1&gt;</a:t>
+            </a:r>
+          </a:p>
+          <a:p>
+            <a:pPr>
+              <a:buNone/>
+            </a:pPr>
+            <a:endParaRPr lang="pt-BR" sz="3100" dirty="0" smtClean="0"/>
+          </a:p>
+          <a:p>
+            <a:pPr>
+              <a:buNone/>
+            </a:pPr>
+            <a:r>
+              <a:rPr lang="pt-BR" sz="3100" dirty="0" smtClean="0"/>
+              <a:t>	GABARDO, P., QUEVEDO, S. R. P.; ULBRICHT, V. R. Estudo comparativo das plataformas de ensino-aprendizagem</a:t>
+            </a:r>
+            <a:r>
+              <a:rPr lang="pt-BR" sz="3100" b="1" dirty="0" smtClean="0"/>
+              <a:t>. Revista Eletrônica de Bibliografia e Ciência da Informação.</a:t>
+            </a:r>
+            <a:r>
+              <a:rPr lang="pt-BR" sz="3100" dirty="0" smtClean="0"/>
+              <a:t>, n.. esp. 2. sem., p. 65 – 84,  2010. Disponível em:  https://periodicos.ufsc.br/index.php/eb/article/view/1518-2924.2010v15nesp2p65 </a:t>
+            </a:r>
+          </a:p>
+          <a:p>
+            <a:pPr>
+              <a:buNone/>
+            </a:pPr>
+            <a:endParaRPr lang="pt-BR" sz="3100" dirty="0" smtClean="0"/>
+          </a:p>
+          <a:p>
+            <a:pPr>
+              <a:buNone/>
+            </a:pPr>
+            <a:r>
+              <a:rPr lang="pt-BR" sz="3100" dirty="0" smtClean="0"/>
+              <a:t>	PRADO, C. et. al. Espaço virtual de um grupo de pesquisa: o olhar dos tutores. </a:t>
+            </a:r>
+            <a:r>
+              <a:rPr lang="pt-BR" sz="3100" b="1" dirty="0" smtClean="0"/>
+              <a:t>Rev. Esc. </a:t>
+            </a:r>
+            <a:r>
+              <a:rPr lang="pt-BR" sz="3100" b="1" dirty="0" err="1" smtClean="0"/>
+              <a:t>Enferm</a:t>
+            </a:r>
+            <a:r>
+              <a:rPr lang="pt-BR" sz="3100" b="1" dirty="0" smtClean="0"/>
+              <a:t>. USP</a:t>
+            </a:r>
+            <a:r>
+              <a:rPr lang="pt-BR" sz="3100" dirty="0" smtClean="0"/>
+              <a:t>, v. 46, n. 1, p. 246-251, 2012. Disponível em:  &lt;http://www.scielo.br/pdf/reeusp/v46n1/v46n1a33.pdf &gt;. </a:t>
+            </a:r>
+          </a:p>
+          <a:p>
+            <a:pPr>
+              <a:buNone/>
+            </a:pPr>
             <a:endParaRPr lang="pt-BR" dirty="0"/>
           </a:p>
         </p:txBody>
@@ -4378,9 +4491,11 @@
       </a:bgFillStyleLst>
     </a:fmtScheme>
   </a:themeElements>
+  <a:objectDefaults/>
+  <a:extraClrSchemeLst/>
   <a:extLst>
     <a:ext uri="{05A4C25C-085E-4340-85A3-A5531E510DB2}">
-      <thm15:themeFamily xmlns:thm15="http://schemas.microsoft.com/office/thememl/2012/main" name="Office Theme" id="{62F939B6-93AF-4DB8-9C6B-D6C7DFDC589F}" vid="{4A3C46E8-61CC-4603-A589-7422A47A8E4A}"/>
+      <thm15:themeFamily xmlns:thm15="http://schemas.microsoft.com/office/thememl/2012/main" xmlns="" name="Office Theme" id="{62F939B6-93AF-4DB8-9C6B-D6C7DFDC589F}" vid="{4A3C46E8-61CC-4603-A589-7422A47A8E4A}"/>
     </a:ext>
   </a:extLst>
 </a:theme>
